--- a/diplom.pptx
+++ b/diplom.pptx
@@ -4636,10 +4636,10 @@
       </p:pic>
       <p:sp>
         <p:nvSpPr>
-          <p:cNvPr id="9" name="Місце для вмісту 8">
+          <p:cNvPr id="13" name="Місце для вмісту 12">
             <a:extLst>
               <a:ext uri="{FF2B5EF4-FFF2-40B4-BE49-F238E27FC236}">
-                <a16:creationId xmlns:a16="http://schemas.microsoft.com/office/drawing/2014/main" id="{DD3DA3C9-E9F4-7929-AAA2-844565F38647}"/>
+                <a16:creationId xmlns:a16="http://schemas.microsoft.com/office/drawing/2014/main" id="{23501651-2C39-98CE-E747-85891338B6D3}"/>
               </a:ext>
             </a:extLst>
           </p:cNvPr>
@@ -4659,6 +4659,36 @@
           </a:p>
         </p:txBody>
       </p:sp>
+      <p:pic>
+        <p:nvPicPr>
+          <p:cNvPr id="17" name="Рисунок 16">
+            <a:extLst>
+              <a:ext uri="{FF2B5EF4-FFF2-40B4-BE49-F238E27FC236}">
+                <a16:creationId xmlns:a16="http://schemas.microsoft.com/office/drawing/2014/main" id="{A3C89CDE-6AE7-8F78-E93A-FE975125970E}"/>
+              </a:ext>
+            </a:extLst>
+          </p:cNvPr>
+          <p:cNvPicPr>
+            <a:picLocks noChangeAspect="1"/>
+          </p:cNvPicPr>
+          <p:nvPr/>
+        </p:nvPicPr>
+        <p:blipFill>
+          <a:blip r:embed="rId3"/>
+          <a:stretch>
+            <a:fillRect/>
+          </a:stretch>
+        </p:blipFill>
+        <p:spPr>
+          <a:xfrm>
+            <a:off x="0" y="2059744"/>
+            <a:ext cx="12192000" cy="2738511"/>
+          </a:xfrm>
+          <a:prstGeom prst="rect">
+            <a:avLst/>
+          </a:prstGeom>
+        </p:spPr>
+      </p:pic>
     </p:spTree>
     <p:extLst>
       <p:ext uri="{BB962C8B-B14F-4D97-AF65-F5344CB8AC3E}">
@@ -5024,442 +5054,64 @@
         </p:nvSpPr>
         <p:spPr>
           <a:xfrm>
-            <a:off x="838199" y="1825625"/>
-            <a:ext cx="8504583" cy="4177610"/>
+            <a:off x="569343" y="1674236"/>
+            <a:ext cx="8428821" cy="4528155"/>
           </a:xfrm>
         </p:spPr>
         <p:txBody>
           <a:bodyPr>
-            <a:normAutofit/>
+            <a:normAutofit lnSpcReduction="10000"/>
           </a:bodyPr>
           <a:lstStyle/>
           <a:p>
             <a:r>
-              <a:rPr lang="uk-UA" dirty="0"/>
-              <a:t>Текст </a:t>
-            </a:r>
-            <a:r>
-              <a:rPr lang="uk-UA" dirty="0" err="1"/>
-              <a:t>текст</a:t>
-            </a:r>
-            <a:r>
-              <a:rPr lang="uk-UA" dirty="0"/>
+              <a:rPr lang="uk-UA" dirty="0">
+                <a:effectLst/>
+              </a:rPr>
+              <a:t>Розробка програми для оптимізації витрат палива </a:t>
+            </a:r>
+            <a:r>
+              <a:rPr lang="en-US" dirty="0">
+                <a:effectLst/>
+              </a:rPr>
+              <a:t>Boeing 738 </a:t>
+            </a:r>
+            <a:r>
+              <a:rPr lang="uk-UA" dirty="0">
+                <a:effectLst/>
+              </a:rPr>
+              <a:t>показала, що врахування </a:t>
+            </a:r>
+            <a:r>
+              <a:rPr lang="en-US" dirty="0">
+                <a:effectLst/>
+              </a:rPr>
+              <a:t>ISA deviation </a:t>
+            </a:r>
+            <a:r>
+              <a:rPr lang="uk-UA" dirty="0">
+                <a:effectLst/>
+              </a:rPr>
+              <a:t>та динамічної маси літака забезпечує до 12% економії палива. Інтуїтивний інтерфейс на </a:t>
+            </a:r>
+            <a:r>
+              <a:rPr lang="en-US" dirty="0" err="1">
+                <a:effectLst/>
+              </a:rPr>
+              <a:t>Tkinter</a:t>
+            </a:r>
+            <a:r>
+              <a:rPr lang="en-US" dirty="0">
+                <a:effectLst/>
+              </a:rPr>
               <a:t> </a:t>
             </a:r>
             <a:r>
-              <a:rPr lang="uk-UA" dirty="0" err="1"/>
-              <a:t>текст</a:t>
-            </a:r>
-            <a:r>
-              <a:rPr lang="uk-UA" dirty="0"/>
-              <a:t> </a:t>
-            </a:r>
-            <a:r>
-              <a:rPr lang="uk-UA" dirty="0" err="1"/>
-              <a:t>текст</a:t>
-            </a:r>
-            <a:r>
-              <a:rPr lang="uk-UA" dirty="0"/>
-              <a:t> </a:t>
-            </a:r>
-            <a:r>
-              <a:rPr lang="uk-UA" dirty="0" err="1"/>
-              <a:t>текст</a:t>
-            </a:r>
-            <a:r>
-              <a:rPr lang="uk-UA" dirty="0"/>
-              <a:t> </a:t>
-            </a:r>
-            <a:r>
-              <a:rPr lang="uk-UA" dirty="0" err="1"/>
-              <a:t>текст</a:t>
-            </a:r>
-            <a:r>
-              <a:rPr lang="uk-UA" dirty="0"/>
-              <a:t> </a:t>
-            </a:r>
-            <a:r>
-              <a:rPr lang="uk-UA" dirty="0" err="1"/>
-              <a:t>текст</a:t>
-            </a:r>
-            <a:r>
-              <a:rPr lang="uk-UA" dirty="0"/>
-              <a:t> </a:t>
-            </a:r>
-            <a:r>
-              <a:rPr lang="uk-UA" dirty="0" err="1"/>
-              <a:t>текст</a:t>
-            </a:r>
-            <a:r>
-              <a:rPr lang="uk-UA" dirty="0"/>
-              <a:t> </a:t>
-            </a:r>
-            <a:r>
-              <a:rPr lang="uk-UA" dirty="0" err="1"/>
-              <a:t>текст</a:t>
-            </a:r>
-            <a:r>
-              <a:rPr lang="uk-UA" dirty="0"/>
-              <a:t> </a:t>
-            </a:r>
-            <a:r>
-              <a:rPr lang="uk-UA" dirty="0" err="1"/>
-              <a:t>текст</a:t>
-            </a:r>
-            <a:r>
-              <a:rPr lang="uk-UA" dirty="0"/>
-              <a:t> </a:t>
-            </a:r>
-            <a:r>
-              <a:rPr lang="uk-UA" dirty="0" err="1"/>
-              <a:t>текст</a:t>
-            </a:r>
-            <a:r>
-              <a:rPr lang="uk-UA" dirty="0"/>
-              <a:t> </a:t>
-            </a:r>
-            <a:r>
-              <a:rPr lang="uk-UA" dirty="0" err="1"/>
-              <a:t>текст</a:t>
-            </a:r>
-            <a:r>
-              <a:rPr lang="uk-UA" dirty="0"/>
-              <a:t> </a:t>
-            </a:r>
-            <a:r>
-              <a:rPr lang="uk-UA" dirty="0" err="1"/>
-              <a:t>текст</a:t>
-            </a:r>
-            <a:r>
-              <a:rPr lang="uk-UA" dirty="0"/>
-              <a:t> </a:t>
-            </a:r>
-            <a:r>
-              <a:rPr lang="uk-UA" dirty="0" err="1"/>
-              <a:t>текст</a:t>
-            </a:r>
-            <a:r>
-              <a:rPr lang="uk-UA" dirty="0"/>
-              <a:t> </a:t>
-            </a:r>
-            <a:r>
-              <a:rPr lang="uk-UA" dirty="0" err="1"/>
-              <a:t>текст</a:t>
-            </a:r>
-            <a:r>
-              <a:rPr lang="uk-UA" dirty="0"/>
-              <a:t> </a:t>
-            </a:r>
-            <a:r>
-              <a:rPr lang="uk-UA" dirty="0" err="1"/>
-              <a:t>текст</a:t>
-            </a:r>
-            <a:r>
-              <a:rPr lang="uk-UA" dirty="0"/>
-              <a:t> </a:t>
-            </a:r>
-            <a:r>
-              <a:rPr lang="uk-UA" dirty="0" err="1"/>
-              <a:t>текст</a:t>
-            </a:r>
-            <a:r>
-              <a:rPr lang="uk-UA" dirty="0"/>
-              <a:t> </a:t>
-            </a:r>
-            <a:r>
-              <a:rPr lang="uk-UA" dirty="0" err="1"/>
-              <a:t>текст</a:t>
-            </a:r>
-            <a:r>
-              <a:rPr lang="uk-UA" dirty="0"/>
-              <a:t> </a:t>
-            </a:r>
-            <a:r>
-              <a:rPr lang="uk-UA" dirty="0" err="1"/>
-              <a:t>текст</a:t>
-            </a:r>
-            <a:r>
-              <a:rPr lang="uk-UA" dirty="0"/>
-              <a:t> </a:t>
-            </a:r>
-            <a:r>
-              <a:rPr lang="uk-UA" dirty="0" err="1"/>
-              <a:t>текст</a:t>
-            </a:r>
-            <a:r>
-              <a:rPr lang="uk-UA" dirty="0"/>
-              <a:t>.</a:t>
-            </a:r>
-          </a:p>
-          <a:p>
-            <a:r>
-              <a:rPr lang="uk-UA" dirty="0"/>
-              <a:t>Текст </a:t>
-            </a:r>
-            <a:r>
-              <a:rPr lang="uk-UA" dirty="0" err="1"/>
-              <a:t>текст</a:t>
-            </a:r>
-            <a:r>
-              <a:rPr lang="uk-UA" dirty="0"/>
-              <a:t> </a:t>
-            </a:r>
-            <a:r>
-              <a:rPr lang="uk-UA" dirty="0" err="1"/>
-              <a:t>текст</a:t>
-            </a:r>
-            <a:r>
-              <a:rPr lang="uk-UA" dirty="0"/>
-              <a:t> </a:t>
-            </a:r>
-            <a:r>
-              <a:rPr lang="uk-UA" dirty="0" err="1"/>
-              <a:t>текст</a:t>
-            </a:r>
-            <a:r>
-              <a:rPr lang="uk-UA" dirty="0"/>
-              <a:t> </a:t>
-            </a:r>
-            <a:r>
-              <a:rPr lang="uk-UA" dirty="0" err="1"/>
-              <a:t>текст</a:t>
-            </a:r>
-            <a:r>
-              <a:rPr lang="uk-UA" dirty="0"/>
-              <a:t> </a:t>
-            </a:r>
-            <a:r>
-              <a:rPr lang="uk-UA" dirty="0" err="1"/>
-              <a:t>текст</a:t>
-            </a:r>
-            <a:r>
-              <a:rPr lang="uk-UA" dirty="0"/>
-              <a:t> </a:t>
-            </a:r>
-            <a:r>
-              <a:rPr lang="uk-UA" dirty="0" err="1"/>
-              <a:t>текст</a:t>
-            </a:r>
-            <a:r>
-              <a:rPr lang="uk-UA" dirty="0"/>
-              <a:t> </a:t>
-            </a:r>
-            <a:r>
-              <a:rPr lang="uk-UA" dirty="0" err="1"/>
-              <a:t>текст</a:t>
-            </a:r>
-            <a:r>
-              <a:rPr lang="uk-UA" dirty="0"/>
-              <a:t> </a:t>
-            </a:r>
-            <a:r>
-              <a:rPr lang="uk-UA" dirty="0" err="1"/>
-              <a:t>текст</a:t>
-            </a:r>
-            <a:r>
-              <a:rPr lang="uk-UA" dirty="0"/>
-              <a:t> </a:t>
-            </a:r>
-            <a:r>
-              <a:rPr lang="uk-UA" dirty="0" err="1"/>
-              <a:t>текст</a:t>
-            </a:r>
-            <a:r>
-              <a:rPr lang="uk-UA" dirty="0"/>
-              <a:t> </a:t>
-            </a:r>
-            <a:r>
-              <a:rPr lang="uk-UA" dirty="0" err="1"/>
-              <a:t>текст</a:t>
-            </a:r>
-            <a:r>
-              <a:rPr lang="uk-UA" dirty="0"/>
-              <a:t> </a:t>
-            </a:r>
-            <a:r>
-              <a:rPr lang="uk-UA" dirty="0" err="1"/>
-              <a:t>текст</a:t>
-            </a:r>
-            <a:r>
-              <a:rPr lang="uk-UA" dirty="0"/>
-              <a:t> </a:t>
-            </a:r>
-            <a:r>
-              <a:rPr lang="uk-UA" dirty="0" err="1"/>
-              <a:t>текст</a:t>
-            </a:r>
-            <a:r>
-              <a:rPr lang="uk-UA" dirty="0"/>
-              <a:t> </a:t>
-            </a:r>
-            <a:r>
-              <a:rPr lang="uk-UA" dirty="0" err="1"/>
-              <a:t>текст</a:t>
-            </a:r>
-            <a:r>
-              <a:rPr lang="uk-UA" dirty="0"/>
-              <a:t> </a:t>
-            </a:r>
-            <a:r>
-              <a:rPr lang="uk-UA" dirty="0" err="1"/>
-              <a:t>текст</a:t>
-            </a:r>
-            <a:r>
-              <a:rPr lang="uk-UA" dirty="0"/>
-              <a:t> </a:t>
-            </a:r>
-            <a:r>
-              <a:rPr lang="uk-UA" dirty="0" err="1"/>
-              <a:t>текст</a:t>
-            </a:r>
-            <a:r>
-              <a:rPr lang="uk-UA" dirty="0"/>
-              <a:t> </a:t>
-            </a:r>
-            <a:r>
-              <a:rPr lang="uk-UA" dirty="0" err="1"/>
-              <a:t>текст</a:t>
-            </a:r>
-            <a:r>
-              <a:rPr lang="uk-UA" dirty="0"/>
-              <a:t> </a:t>
-            </a:r>
-            <a:r>
-              <a:rPr lang="uk-UA" dirty="0" err="1"/>
-              <a:t>текст</a:t>
-            </a:r>
-            <a:r>
-              <a:rPr lang="uk-UA" dirty="0"/>
-              <a:t> </a:t>
-            </a:r>
-            <a:r>
-              <a:rPr lang="uk-UA" dirty="0" err="1"/>
-              <a:t>текст</a:t>
-            </a:r>
-            <a:r>
-              <a:rPr lang="uk-UA" dirty="0"/>
-              <a:t> </a:t>
-            </a:r>
-            <a:r>
-              <a:rPr lang="uk-UA" dirty="0" err="1"/>
-              <a:t>текст</a:t>
-            </a:r>
-            <a:endParaRPr lang="uk-UA" dirty="0"/>
-          </a:p>
-          <a:p>
-            <a:r>
-              <a:rPr lang="uk-UA" dirty="0"/>
-              <a:t>Текст </a:t>
-            </a:r>
-            <a:r>
-              <a:rPr lang="uk-UA" dirty="0" err="1"/>
-              <a:t>текст</a:t>
-            </a:r>
-            <a:r>
-              <a:rPr lang="uk-UA" dirty="0"/>
-              <a:t> </a:t>
-            </a:r>
-            <a:r>
-              <a:rPr lang="uk-UA" dirty="0" err="1"/>
-              <a:t>текст</a:t>
-            </a:r>
-            <a:r>
-              <a:rPr lang="uk-UA" dirty="0"/>
-              <a:t> </a:t>
-            </a:r>
-            <a:r>
-              <a:rPr lang="uk-UA" dirty="0" err="1"/>
-              <a:t>текст</a:t>
-            </a:r>
-            <a:r>
-              <a:rPr lang="uk-UA" dirty="0"/>
-              <a:t> </a:t>
-            </a:r>
-            <a:r>
-              <a:rPr lang="uk-UA" dirty="0" err="1"/>
-              <a:t>текст</a:t>
-            </a:r>
-            <a:r>
-              <a:rPr lang="uk-UA" dirty="0"/>
-              <a:t> </a:t>
-            </a:r>
-            <a:r>
-              <a:rPr lang="uk-UA" dirty="0" err="1"/>
-              <a:t>текст</a:t>
-            </a:r>
-            <a:r>
-              <a:rPr lang="uk-UA" dirty="0"/>
-              <a:t> </a:t>
-            </a:r>
-            <a:r>
-              <a:rPr lang="uk-UA" dirty="0" err="1"/>
-              <a:t>текст</a:t>
-            </a:r>
-            <a:r>
-              <a:rPr lang="uk-UA" dirty="0"/>
-              <a:t> </a:t>
-            </a:r>
-            <a:r>
-              <a:rPr lang="uk-UA" dirty="0" err="1"/>
-              <a:t>текст</a:t>
-            </a:r>
-            <a:r>
-              <a:rPr lang="uk-UA" dirty="0"/>
-              <a:t> </a:t>
-            </a:r>
-            <a:r>
-              <a:rPr lang="uk-UA" dirty="0" err="1"/>
-              <a:t>текст</a:t>
-            </a:r>
-            <a:r>
-              <a:rPr lang="uk-UA" dirty="0"/>
-              <a:t> </a:t>
-            </a:r>
-            <a:r>
-              <a:rPr lang="uk-UA" dirty="0" err="1"/>
-              <a:t>текст</a:t>
-            </a:r>
-            <a:r>
-              <a:rPr lang="uk-UA" dirty="0"/>
-              <a:t> </a:t>
-            </a:r>
-            <a:r>
-              <a:rPr lang="uk-UA" dirty="0" err="1"/>
-              <a:t>текст</a:t>
-            </a:r>
-            <a:r>
-              <a:rPr lang="uk-UA" dirty="0"/>
-              <a:t> </a:t>
-            </a:r>
-            <a:r>
-              <a:rPr lang="uk-UA" dirty="0" err="1"/>
-              <a:t>текст</a:t>
-            </a:r>
-            <a:r>
-              <a:rPr lang="uk-UA" dirty="0"/>
-              <a:t> </a:t>
-            </a:r>
-            <a:r>
-              <a:rPr lang="uk-UA" dirty="0" err="1"/>
-              <a:t>текст</a:t>
-            </a:r>
-            <a:r>
-              <a:rPr lang="uk-UA" dirty="0"/>
-              <a:t> </a:t>
-            </a:r>
-            <a:r>
-              <a:rPr lang="uk-UA" dirty="0" err="1"/>
-              <a:t>текст</a:t>
-            </a:r>
-            <a:r>
-              <a:rPr lang="uk-UA" dirty="0"/>
-              <a:t> </a:t>
-            </a:r>
-            <a:r>
-              <a:rPr lang="uk-UA" dirty="0" err="1"/>
-              <a:t>текст</a:t>
-            </a:r>
-            <a:endParaRPr lang="uk-UA" dirty="0"/>
+              <a:rPr lang="uk-UA" dirty="0">
+                <a:effectLst/>
+              </a:rPr>
+              <a:t>виявився ключовим для зручності використання, хоча спочатку здавався другорядним. Лінійна інтерполяція, попри ефективність, має обмеження, що спонукає до вдосконалення алгоритмів. Робота стала інженерним викликом, поєднавши аеродинаміку, програмування та аналіз даних, і заклала основу для подальших досліджень в автоматизації авіаційних розрахунків.</a:t>
+            </a:r>
           </a:p>
         </p:txBody>
       </p:sp>
